--- a/docs/RealmsOfMastery - Defense.pptx
+++ b/docs/RealmsOfMastery - Defense.pptx
@@ -4224,7 +4224,7 @@
           </a:r>
           <a:r>
             <a:rPr lang="en-US" i="0" dirty="0"/>
-            <a:t> Pro, Windows PC, and Acer Chromebook</a:t>
+            <a:t> Pro and Windows PC</a:t>
           </a:r>
           <a:endParaRPr lang="en-US" dirty="0"/>
         </a:p>
@@ -7026,7 +7026,7 @@
           </a:r>
           <a:r>
             <a:rPr lang="en-US" sz="1700" i="0" kern="1200" dirty="0"/>
-            <a:t> Pro, Windows PC, and Acer Chromebook</a:t>
+            <a:t> Pro and Windows PC</a:t>
           </a:r>
           <a:endParaRPr lang="en-US" sz="1700" kern="1200" dirty="0"/>
         </a:p>
@@ -15413,7 +15413,7 @@
           <a:p>
             <a:fld id="{D0911B63-4B0B-9E4A-BBB0-D2D22A519B57}" type="datetimeFigureOut">
               <a:rPr lang="en-US" smtClean="0"/>
-              <a:t>4/15/24</a:t>
+              <a:t>4/16/24</a:t>
             </a:fld>
             <a:endParaRPr lang="en-US"/>
           </a:p>
@@ -16496,7 +16496,7 @@
           <a:p>
             <a:fld id="{3CADBD16-5BFB-4D9F-9646-C75D1B53BBB6}" type="datetimeFigureOut">
               <a:rPr lang="en-US" smtClean="0"/>
-              <a:t>4/15/24</a:t>
+              <a:t>4/16/24</a:t>
             </a:fld>
             <a:endParaRPr lang="en-US"/>
           </a:p>
@@ -16737,7 +16737,7 @@
           <a:p>
             <a:fld id="{3CADBD16-5BFB-4D9F-9646-C75D1B53BBB6}" type="datetimeFigureOut">
               <a:rPr lang="en-US" smtClean="0"/>
-              <a:t>4/15/24</a:t>
+              <a:t>4/16/24</a:t>
             </a:fld>
             <a:endParaRPr lang="en-US"/>
           </a:p>
@@ -16945,7 +16945,7 @@
           <a:p>
             <a:fld id="{3CADBD16-5BFB-4D9F-9646-C75D1B53BBB6}" type="datetimeFigureOut">
               <a:rPr lang="en-US" smtClean="0"/>
-              <a:t>4/15/24</a:t>
+              <a:t>4/16/24</a:t>
             </a:fld>
             <a:endParaRPr lang="en-US"/>
           </a:p>
@@ -17143,7 +17143,7 @@
           <a:p>
             <a:fld id="{3CADBD16-5BFB-4D9F-9646-C75D1B53BBB6}" type="datetimeFigureOut">
               <a:rPr lang="en-US" smtClean="0"/>
-              <a:t>4/15/24</a:t>
+              <a:t>4/16/24</a:t>
             </a:fld>
             <a:endParaRPr lang="en-US"/>
           </a:p>
@@ -17420,7 +17420,7 @@
           <a:p>
             <a:fld id="{3CADBD16-5BFB-4D9F-9646-C75D1B53BBB6}" type="datetimeFigureOut">
               <a:rPr lang="en-US" smtClean="0"/>
-              <a:t>4/15/24</a:t>
+              <a:t>4/16/24</a:t>
             </a:fld>
             <a:endParaRPr lang="en-US"/>
           </a:p>
@@ -17685,7 +17685,7 @@
           <a:p>
             <a:fld id="{3CADBD16-5BFB-4D9F-9646-C75D1B53BBB6}" type="datetimeFigureOut">
               <a:rPr lang="en-US" smtClean="0"/>
-              <a:t>4/15/24</a:t>
+              <a:t>4/16/24</a:t>
             </a:fld>
             <a:endParaRPr lang="en-US"/>
           </a:p>
@@ -18101,7 +18101,7 @@
           <a:p>
             <a:fld id="{3CADBD16-5BFB-4D9F-9646-C75D1B53BBB6}" type="datetimeFigureOut">
               <a:rPr lang="en-US" smtClean="0"/>
-              <a:t>4/15/24</a:t>
+              <a:t>4/16/24</a:t>
             </a:fld>
             <a:endParaRPr lang="en-US"/>
           </a:p>
@@ -18251,7 +18251,7 @@
           <a:p>
             <a:fld id="{3CADBD16-5BFB-4D9F-9646-C75D1B53BBB6}" type="datetimeFigureOut">
               <a:rPr lang="en-US" smtClean="0"/>
-              <a:t>4/15/24</a:t>
+              <a:t>4/16/24</a:t>
             </a:fld>
             <a:endParaRPr lang="en-US"/>
           </a:p>
@@ -18364,7 +18364,7 @@
           <a:p>
             <a:fld id="{3CADBD16-5BFB-4D9F-9646-C75D1B53BBB6}" type="datetimeFigureOut">
               <a:rPr lang="en-US" smtClean="0"/>
-              <a:t>4/15/24</a:t>
+              <a:t>4/16/24</a:t>
             </a:fld>
             <a:endParaRPr lang="en-US"/>
           </a:p>
@@ -18680,7 +18680,7 @@
           <a:p>
             <a:fld id="{3CADBD16-5BFB-4D9F-9646-C75D1B53BBB6}" type="datetimeFigureOut">
               <a:rPr lang="en-US" smtClean="0"/>
-              <a:t>4/15/24</a:t>
+              <a:t>4/16/24</a:t>
             </a:fld>
             <a:endParaRPr lang="en-US"/>
           </a:p>
@@ -18931,7 +18931,7 @@
           <a:p>
             <a:fld id="{3CADBD16-5BFB-4D9F-9646-C75D1B53BBB6}" type="datetimeFigureOut">
               <a:rPr lang="en-US" smtClean="0"/>
-              <a:t>4/15/24</a:t>
+              <a:t>4/16/24</a:t>
             </a:fld>
             <a:endParaRPr lang="en-US"/>
           </a:p>
@@ -19440,7 +19440,7 @@
             <a:fld id="{3CADBD16-5BFB-4D9F-9646-C75D1B53BBB6}" type="datetimeFigureOut">
               <a:rPr lang="en-US" smtClean="0"/>
               <a:pPr/>
-              <a:t>4/15/24</a:t>
+              <a:t>4/16/24</a:t>
             </a:fld>
             <a:endParaRPr lang="en-US" dirty="0"/>
           </a:p>
@@ -21137,6 +21137,32 @@
             <a:normAutofit fontScale="85000" lnSpcReduction="10000"/>
           </a:bodyPr>
           <a:lstStyle/>
+          <a:p>
+            <a:pPr defTabSz="429768">
+              <a:lnSpc>
+                <a:spcPct val="90000"/>
+              </a:lnSpc>
+              <a:spcAft>
+                <a:spcPts val="600"/>
+              </a:spcAft>
+            </a:pPr>
+            <a:r>
+              <a:rPr lang="en-US" dirty="0"/>
+              <a:t>Support for </a:t>
+            </a:r>
+            <a:r>
+              <a:rPr lang="en-US" dirty="0" err="1"/>
+              <a:t>ChromeOS</a:t>
+            </a:r>
+            <a:endParaRPr lang="en-US" sz="2000" kern="1200" dirty="0">
+              <a:solidFill>
+                <a:schemeClr val="tx1"/>
+              </a:solidFill>
+              <a:latin typeface="+mn-lt"/>
+              <a:ea typeface="+mn-ea"/>
+              <a:cs typeface="+mn-cs"/>
+            </a:endParaRPr>
+          </a:p>
           <a:p>
             <a:pPr defTabSz="429768">
               <a:lnSpc>
@@ -22981,7 +23007,7 @@
             <p:ph idx="1"/>
             <p:extLst>
               <p:ext uri="{D42A27DB-BD31-4B8C-83A1-F6EECF244321}">
-                <p14:modId xmlns:p14="http://schemas.microsoft.com/office/powerpoint/2010/main" val="3282653968"/>
+                <p14:modId xmlns:p14="http://schemas.microsoft.com/office/powerpoint/2010/main" val="3747261368"/>
               </p:ext>
             </p:extLst>
           </p:nvPr>
